--- a/Team meeting/Presentation/0224_prof_report.pptx
+++ b/Team meeting/Presentation/0224_prof_report.pptx
@@ -6,7 +6,7 @@
     <p:sldMasterId id="2147483648" r:id="rId2"/>
   </p:sldMasterIdLst>
   <p:notesMasterIdLst>
-    <p:notesMasterId r:id="rId15"/>
+    <p:notesMasterId r:id="rId16"/>
   </p:notesMasterIdLst>
   <p:sldIdLst>
     <p:sldId id="268" r:id="rId3"/>
@@ -20,7 +20,8 @@
     <p:sldId id="284" r:id="rId11"/>
     <p:sldId id="285" r:id="rId12"/>
     <p:sldId id="286" r:id="rId13"/>
-    <p:sldId id="275" r:id="rId14"/>
+    <p:sldId id="288" r:id="rId14"/>
+    <p:sldId id="275" r:id="rId15"/>
   </p:sldIdLst>
   <p:sldSz cx="12192000" cy="6858000"/>
   <p:notesSz cx="6858000" cy="9144000"/>
@@ -212,7 +213,7 @@
           <a:p>
             <a:fld id="{9281B527-8464-4A8D-92F6-0938425E1DA5}" type="datetimeFigureOut">
               <a:rPr lang="ko-KR" altLang="en-US" smtClean="0"/>
-              <a:t>2022-02-23</a:t>
+              <a:t>2022-03-03</a:t>
             </a:fld>
             <a:endParaRPr lang="ko-KR" altLang="en-US"/>
           </a:p>
@@ -6256,6 +6257,42 @@
           </a:p>
         </p:txBody>
       </p:sp>
+      <p:pic>
+        <p:nvPicPr>
+          <p:cNvPr id="7" name="그림 6">
+            <a:extLst>
+              <a:ext uri="{FF2B5EF4-FFF2-40B4-BE49-F238E27FC236}">
+                <a16:creationId xmlns:a16="http://schemas.microsoft.com/office/drawing/2014/main" id="{C8423637-DF9A-4FCB-84E4-8AE3357AE826}"/>
+              </a:ext>
+            </a:extLst>
+          </p:cNvPr>
+          <p:cNvPicPr>
+            <a:picLocks noChangeAspect="1"/>
+          </p:cNvPicPr>
+          <p:nvPr/>
+        </p:nvPicPr>
+        <p:blipFill>
+          <a:blip r:embed="rId2">
+            <a:extLst>
+              <a:ext uri="{28A0092B-C50C-407E-A947-70E740481C1C}">
+                <a14:useLocalDpi xmlns:a14="http://schemas.microsoft.com/office/drawing/2010/main" val="0"/>
+              </a:ext>
+            </a:extLst>
+          </a:blip>
+          <a:stretch>
+            <a:fillRect/>
+          </a:stretch>
+        </p:blipFill>
+        <p:spPr>
+          <a:xfrm>
+            <a:off x="1455880" y="969761"/>
+            <a:ext cx="9817350" cy="5487023"/>
+          </a:xfrm>
+          <a:prstGeom prst="rect">
+            <a:avLst/>
+          </a:prstGeom>
+        </p:spPr>
+      </p:pic>
     </p:spTree>
     <p:extLst>
       <p:ext uri="{BB962C8B-B14F-4D97-AF65-F5344CB8AC3E}">
@@ -6345,42 +6382,70 @@
           </a:p>
         </p:txBody>
       </p:sp>
-      <p:pic>
-        <p:nvPicPr>
-          <p:cNvPr id="6" name="그림 5">
-            <a:extLst>
-              <a:ext uri="{FF2B5EF4-FFF2-40B4-BE49-F238E27FC236}">
-                <a16:creationId xmlns:a16="http://schemas.microsoft.com/office/drawing/2014/main" id="{52AD46A4-2D0B-40CD-A684-5117E39EA8D9}"/>
-              </a:ext>
-            </a:extLst>
-          </p:cNvPr>
-          <p:cNvPicPr>
-            <a:picLocks noChangeAspect="1"/>
-          </p:cNvPicPr>
-          <p:nvPr/>
-        </p:nvPicPr>
-        <p:blipFill>
-          <a:blip r:embed="rId2">
-            <a:extLst>
-              <a:ext uri="{28A0092B-C50C-407E-A947-70E740481C1C}">
-                <a14:useLocalDpi xmlns:a14="http://schemas.microsoft.com/office/drawing/2010/main" val="0"/>
-              </a:ext>
-            </a:extLst>
-          </a:blip>
-          <a:stretch>
-            <a:fillRect/>
-          </a:stretch>
-        </p:blipFill>
-        <p:spPr>
-          <a:xfrm>
-            <a:off x="1585085" y="929009"/>
-            <a:ext cx="9021830" cy="5555347"/>
-          </a:xfrm>
-          <a:prstGeom prst="rect">
-            <a:avLst/>
-          </a:prstGeom>
-        </p:spPr>
-      </p:pic>
+      <p:graphicFrame>
+        <p:nvGraphicFramePr>
+          <p:cNvPr id="5" name="개체 4">
+            <a:hlinkClick r:id="" action="ppaction://ole?verb=0"/>
+            <a:extLst>
+              <a:ext uri="{FF2B5EF4-FFF2-40B4-BE49-F238E27FC236}">
+                <a16:creationId xmlns:a16="http://schemas.microsoft.com/office/drawing/2014/main" id="{E4273D35-1BA7-4684-A04A-D479E94FB8F3}"/>
+              </a:ext>
+            </a:extLst>
+          </p:cNvPr>
+          <p:cNvGraphicFramePr>
+            <a:graphicFrameLocks noChangeAspect="1"/>
+          </p:cNvGraphicFramePr>
+          <p:nvPr>
+            <p:extLst>
+              <p:ext uri="{D42A27DB-BD31-4B8C-83A1-F6EECF244321}">
+                <p14:modId xmlns:p14="http://schemas.microsoft.com/office/powerpoint/2010/main" val="3402646832"/>
+              </p:ext>
+            </p:extLst>
+          </p:nvPr>
+        </p:nvGraphicFramePr>
+        <p:xfrm>
+          <a:off x="1186542" y="886117"/>
+          <a:ext cx="9818915" cy="5523140"/>
+        </p:xfrm>
+        <a:graphic>
+          <a:graphicData uri="http://schemas.openxmlformats.org/presentationml/2006/ole">
+            <mc:AlternateContent xmlns:mc="http://schemas.openxmlformats.org/markup-compatibility/2006">
+              <mc:Choice xmlns:v="urn:schemas-microsoft-com:vml" Requires="v">
+                <p:oleObj spid="_x0000_s1042" name="Presentation" r:id="rId3" imgW="6096208" imgH="3429300" progId="PowerPoint.Show.12">
+                  <p:embed/>
+                </p:oleObj>
+              </mc:Choice>
+              <mc:Fallback>
+                <p:oleObj name="Presentation" r:id="rId3" imgW="6096208" imgH="3429300" progId="PowerPoint.Show.12">
+                  <p:embed/>
+                  <p:pic>
+                    <p:nvPicPr>
+                      <p:cNvPr id="0" name=""/>
+                      <p:cNvPicPr/>
+                      <p:nvPr/>
+                    </p:nvPicPr>
+                    <p:blipFill>
+                      <a:blip r:embed="rId4"/>
+                      <a:stretch>
+                        <a:fillRect/>
+                      </a:stretch>
+                    </p:blipFill>
+                    <p:spPr>
+                      <a:xfrm>
+                        <a:off x="1186542" y="886117"/>
+                        <a:ext cx="9818915" cy="5523140"/>
+                      </a:xfrm>
+                      <a:prstGeom prst="rect">
+                        <a:avLst/>
+                      </a:prstGeom>
+                    </p:spPr>
+                  </p:pic>
+                </p:oleObj>
+              </mc:Fallback>
+            </mc:AlternateContent>
+          </a:graphicData>
+        </a:graphic>
+      </p:graphicFrame>
     </p:spTree>
     <p:extLst>
       <p:ext uri="{BB962C8B-B14F-4D97-AF65-F5344CB8AC3E}">
@@ -6413,6 +6478,95 @@
       </p:grpSpPr>
       <p:sp>
         <p:nvSpPr>
+          <p:cNvPr id="3" name="제목 2">
+            <a:extLst>
+              <a:ext uri="{FF2B5EF4-FFF2-40B4-BE49-F238E27FC236}">
+                <a16:creationId xmlns:a16="http://schemas.microsoft.com/office/drawing/2014/main" id="{673CBEB4-AD18-4BEF-A387-688829C53101}"/>
+              </a:ext>
+            </a:extLst>
+          </p:cNvPr>
+          <p:cNvSpPr>
+            <a:spLocks noGrp="1"/>
+          </p:cNvSpPr>
+          <p:nvPr>
+            <p:ph type="title"/>
+          </p:nvPr>
+        </p:nvSpPr>
+        <p:spPr/>
+        <p:txBody>
+          <a:bodyPr/>
+          <a:lstStyle/>
+          <a:p>
+            <a:r>
+              <a:rPr lang="en-US" altLang="ko-KR" dirty="0"/>
+              <a:t>KWIX</a:t>
+            </a:r>
+            <a:endParaRPr lang="ko-KR" altLang="en-US" dirty="0"/>
+          </a:p>
+        </p:txBody>
+      </p:sp>
+      <p:sp>
+        <p:nvSpPr>
+          <p:cNvPr id="4" name="슬라이드 번호 개체 틀 3">
+            <a:extLst>
+              <a:ext uri="{FF2B5EF4-FFF2-40B4-BE49-F238E27FC236}">
+                <a16:creationId xmlns:a16="http://schemas.microsoft.com/office/drawing/2014/main" id="{3C110EB6-F27F-4B45-828C-91C410DD3567}"/>
+              </a:ext>
+            </a:extLst>
+          </p:cNvPr>
+          <p:cNvSpPr>
+            <a:spLocks noGrp="1"/>
+          </p:cNvSpPr>
+          <p:nvPr>
+            <p:ph type="sldNum" sz="quarter" idx="4"/>
+          </p:nvPr>
+        </p:nvSpPr>
+        <p:spPr/>
+        <p:txBody>
+          <a:bodyPr/>
+          <a:lstStyle/>
+          <a:p>
+            <a:fld id="{29E1B995-0F38-48C0-B041-DBEEF5C02F5D}" type="slidenum">
+              <a:rPr lang="ko-KR" altLang="en-US" smtClean="0"/>
+              <a:pPr/>
+              <a:t>11</a:t>
+            </a:fld>
+            <a:endParaRPr lang="ko-KR" altLang="en-US" dirty="0"/>
+          </a:p>
+        </p:txBody>
+      </p:sp>
+    </p:spTree>
+    <p:extLst>
+      <p:ext uri="{BB962C8B-B14F-4D97-AF65-F5344CB8AC3E}">
+        <p14:creationId xmlns:p14="http://schemas.microsoft.com/office/powerpoint/2010/main" val="4261111065"/>
+      </p:ext>
+    </p:extLst>
+  </p:cSld>
+  <p:clrMapOvr>
+    <a:masterClrMapping/>
+  </p:clrMapOvr>
+</p:sld>
+</file>
+
+<file path=ppt/slides/slide13.xml><?xml version="1.0" encoding="utf-8"?>
+<p:sld xmlns:a="http://schemas.openxmlformats.org/drawingml/2006/main" xmlns:r="http://schemas.openxmlformats.org/officeDocument/2006/relationships" xmlns:p="http://schemas.openxmlformats.org/presentationml/2006/main">
+  <p:cSld>
+    <p:spTree>
+      <p:nvGrpSpPr>
+        <p:cNvPr id="1" name=""/>
+        <p:cNvGrpSpPr/>
+        <p:nvPr/>
+      </p:nvGrpSpPr>
+      <p:grpSpPr>
+        <a:xfrm>
+          <a:off x="0" y="0"/>
+          <a:ext cx="0" cy="0"/>
+          <a:chOff x="0" y="0"/>
+          <a:chExt cx="0" cy="0"/>
+        </a:xfrm>
+      </p:grpSpPr>
+      <p:sp>
+        <p:nvSpPr>
           <p:cNvPr id="2" name="내용 개체 틀 1">
             <a:extLst>
               <a:ext uri="{FF2B5EF4-FFF2-40B4-BE49-F238E27FC236}">
@@ -6501,7 +6655,7 @@
             <a:fld id="{29E1B995-0F38-48C0-B041-DBEEF5C02F5D}" type="slidenum">
               <a:rPr lang="ko-KR" altLang="en-US" smtClean="0"/>
               <a:pPr/>
-              <a:t>11</a:t>
+              <a:t>12</a:t>
             </a:fld>
             <a:endParaRPr lang="ko-KR" altLang="en-US" dirty="0"/>
           </a:p>
@@ -7047,145 +7201,166 @@
           </a:p>
         </p:txBody>
       </p:sp>
-      <p:pic>
-        <p:nvPicPr>
-          <p:cNvPr id="5" name="Picture 4" descr="로보티즈, 일반 자율주행 로봇 배송 서비스 실시">
-            <a:extLst>
-              <a:ext uri="{FF2B5EF4-FFF2-40B4-BE49-F238E27FC236}">
-                <a16:creationId xmlns:a16="http://schemas.microsoft.com/office/drawing/2014/main" id="{E1C09344-BCDF-4DE7-AFDA-8C7783379FC8}"/>
-              </a:ext>
-            </a:extLst>
-          </p:cNvPr>
-          <p:cNvPicPr>
-            <a:picLocks noChangeAspect="1" noChangeArrowheads="1"/>
-          </p:cNvPicPr>
+      <p:grpSp>
+        <p:nvGrpSpPr>
+          <p:cNvPr id="7" name="그룹 6">
+            <a:extLst>
+              <a:ext uri="{FF2B5EF4-FFF2-40B4-BE49-F238E27FC236}">
+                <a16:creationId xmlns:a16="http://schemas.microsoft.com/office/drawing/2014/main" id="{C13CAA17-E987-4847-BAFB-7A504BC960AA}"/>
+              </a:ext>
+            </a:extLst>
+          </p:cNvPr>
+          <p:cNvGrpSpPr/>
           <p:nvPr/>
-        </p:nvPicPr>
-        <p:blipFill>
-          <a:blip r:embed="rId2">
-            <a:extLst>
-              <a:ext uri="{28A0092B-C50C-407E-A947-70E740481C1C}">
-                <a14:useLocalDpi xmlns:a14="http://schemas.microsoft.com/office/drawing/2010/main" val="0"/>
-              </a:ext>
-            </a:extLst>
-          </a:blip>
-          <a:srcRect/>
-          <a:stretch>
-            <a:fillRect/>
-          </a:stretch>
-        </p:blipFill>
-        <p:spPr bwMode="auto">
+        </p:nvGrpSpPr>
+        <p:grpSpPr>
           <a:xfrm>
-            <a:off x="1070324" y="3429000"/>
-            <a:ext cx="3033165" cy="1895728"/>
+            <a:off x="1070324" y="3333750"/>
+            <a:ext cx="9810053" cy="2095500"/>
+            <a:chOff x="1070324" y="3333750"/>
+            <a:chExt cx="9810053" cy="2095500"/>
           </a:xfrm>
-          <a:prstGeom prst="rect">
-            <a:avLst/>
-          </a:prstGeom>
-          <a:noFill/>
-          <a:extLst>
-            <a:ext uri="{909E8E84-426E-40DD-AFC4-6F175D3DCCD1}">
-              <a14:hiddenFill xmlns:a14="http://schemas.microsoft.com/office/drawing/2010/main">
-                <a:solidFill>
-                  <a:srgbClr val="FFFFFF"/>
-                </a:solidFill>
-              </a14:hiddenFill>
-            </a:ext>
-          </a:extLst>
-        </p:spPr>
-      </p:pic>
-      <p:pic>
-        <p:nvPicPr>
-          <p:cNvPr id="6" name="Picture 6">
-            <a:extLst>
-              <a:ext uri="{FF2B5EF4-FFF2-40B4-BE49-F238E27FC236}">
-                <a16:creationId xmlns:a16="http://schemas.microsoft.com/office/drawing/2014/main" id="{BED3AC20-8102-401E-AD58-C8597B3FA586}"/>
-              </a:ext>
-            </a:extLst>
-          </p:cNvPr>
-          <p:cNvPicPr>
-            <a:picLocks noChangeAspect="1" noChangeArrowheads="1"/>
-          </p:cNvPicPr>
-          <p:nvPr/>
-        </p:nvPicPr>
-        <p:blipFill>
-          <a:blip r:embed="rId3">
-            <a:extLst>
-              <a:ext uri="{28A0092B-C50C-407E-A947-70E740481C1C}">
-                <a14:useLocalDpi xmlns:a14="http://schemas.microsoft.com/office/drawing/2010/main" val="0"/>
-              </a:ext>
-            </a:extLst>
-          </a:blip>
-          <a:srcRect/>
-          <a:stretch>
-            <a:fillRect/>
-          </a:stretch>
-        </p:blipFill>
-        <p:spPr bwMode="auto">
-          <a:xfrm>
-            <a:off x="4839039" y="3429000"/>
-            <a:ext cx="2841988" cy="1895728"/>
-          </a:xfrm>
-          <a:prstGeom prst="rect">
-            <a:avLst/>
-          </a:prstGeom>
-          <a:noFill/>
-          <a:extLst>
-            <a:ext uri="{909E8E84-426E-40DD-AFC4-6F175D3DCCD1}">
-              <a14:hiddenFill xmlns:a14="http://schemas.microsoft.com/office/drawing/2010/main">
-                <a:solidFill>
-                  <a:srgbClr val="FFFFFF"/>
-                </a:solidFill>
-              </a14:hiddenFill>
-            </a:ext>
-          </a:extLst>
-        </p:spPr>
-      </p:pic>
-      <p:pic>
-        <p:nvPicPr>
-          <p:cNvPr id="1026" name="Picture 2" descr="LG전자, 물걸레 전용 로봇청소기 출시 &amp;lt; 가젯·컨슈머 &amp;lt; 라이프 &amp;lt; 기사본문 - 테크월드뉴스 - 김경한 기자">
-            <a:extLst>
-              <a:ext uri="{FF2B5EF4-FFF2-40B4-BE49-F238E27FC236}">
-                <a16:creationId xmlns:a16="http://schemas.microsoft.com/office/drawing/2014/main" id="{519415FF-6BC9-4CFD-8259-07CAB3FE20DE}"/>
-              </a:ext>
-            </a:extLst>
-          </p:cNvPr>
-          <p:cNvPicPr>
-            <a:picLocks noChangeAspect="1" noChangeArrowheads="1"/>
-          </p:cNvPicPr>
-          <p:nvPr/>
-        </p:nvPicPr>
-        <p:blipFill rotWithShape="1">
-          <a:blip r:embed="rId4">
-            <a:extLst>
-              <a:ext uri="{28A0092B-C50C-407E-A947-70E740481C1C}">
-                <a14:useLocalDpi xmlns:a14="http://schemas.microsoft.com/office/drawing/2010/main" val="0"/>
-              </a:ext>
-            </a:extLst>
-          </a:blip>
-          <a:srcRect l="10593" t="4696" r="8102" b="4144"/>
-          <a:stretch/>
-        </p:blipFill>
-        <p:spPr bwMode="auto">
-          <a:xfrm>
-            <a:off x="8416577" y="3333750"/>
-            <a:ext cx="2463800" cy="2095500"/>
-          </a:xfrm>
-          <a:prstGeom prst="rect">
-            <a:avLst/>
-          </a:prstGeom>
-          <a:noFill/>
-          <a:extLst>
-            <a:ext uri="{909E8E84-426E-40DD-AFC4-6F175D3DCCD1}">
-              <a14:hiddenFill xmlns:a14="http://schemas.microsoft.com/office/drawing/2010/main">
-                <a:solidFill>
-                  <a:srgbClr val="FFFFFF"/>
-                </a:solidFill>
-              </a14:hiddenFill>
-            </a:ext>
-          </a:extLst>
-        </p:spPr>
-      </p:pic>
+        </p:grpSpPr>
+        <p:pic>
+          <p:nvPicPr>
+            <p:cNvPr id="5" name="Picture 4" descr="로보티즈, 일반 자율주행 로봇 배송 서비스 실시">
+              <a:extLst>
+                <a:ext uri="{FF2B5EF4-FFF2-40B4-BE49-F238E27FC236}">
+                  <a16:creationId xmlns:a16="http://schemas.microsoft.com/office/drawing/2014/main" id="{E1C09344-BCDF-4DE7-AFDA-8C7783379FC8}"/>
+                </a:ext>
+              </a:extLst>
+            </p:cNvPr>
+            <p:cNvPicPr>
+              <a:picLocks noChangeAspect="1" noChangeArrowheads="1"/>
+            </p:cNvPicPr>
+            <p:nvPr/>
+          </p:nvPicPr>
+          <p:blipFill>
+            <a:blip r:embed="rId2">
+              <a:extLst>
+                <a:ext uri="{28A0092B-C50C-407E-A947-70E740481C1C}">
+                  <a14:useLocalDpi xmlns:a14="http://schemas.microsoft.com/office/drawing/2010/main" val="0"/>
+                </a:ext>
+              </a:extLst>
+            </a:blip>
+            <a:srcRect/>
+            <a:stretch>
+              <a:fillRect/>
+            </a:stretch>
+          </p:blipFill>
+          <p:spPr bwMode="auto">
+            <a:xfrm>
+              <a:off x="1070324" y="3429000"/>
+              <a:ext cx="3033165" cy="1895728"/>
+            </a:xfrm>
+            <a:prstGeom prst="rect">
+              <a:avLst/>
+            </a:prstGeom>
+            <a:noFill/>
+            <a:extLst>
+              <a:ext uri="{909E8E84-426E-40DD-AFC4-6F175D3DCCD1}">
+                <a14:hiddenFill xmlns:a14="http://schemas.microsoft.com/office/drawing/2010/main">
+                  <a:solidFill>
+                    <a:srgbClr val="FFFFFF"/>
+                  </a:solidFill>
+                </a14:hiddenFill>
+              </a:ext>
+            </a:extLst>
+          </p:spPr>
+        </p:pic>
+        <p:pic>
+          <p:nvPicPr>
+            <p:cNvPr id="6" name="Picture 6">
+              <a:extLst>
+                <a:ext uri="{FF2B5EF4-FFF2-40B4-BE49-F238E27FC236}">
+                  <a16:creationId xmlns:a16="http://schemas.microsoft.com/office/drawing/2014/main" id="{BED3AC20-8102-401E-AD58-C8597B3FA586}"/>
+                </a:ext>
+              </a:extLst>
+            </p:cNvPr>
+            <p:cNvPicPr>
+              <a:picLocks noChangeAspect="1" noChangeArrowheads="1"/>
+            </p:cNvPicPr>
+            <p:nvPr/>
+          </p:nvPicPr>
+          <p:blipFill>
+            <a:blip r:embed="rId3">
+              <a:extLst>
+                <a:ext uri="{28A0092B-C50C-407E-A947-70E740481C1C}">
+                  <a14:useLocalDpi xmlns:a14="http://schemas.microsoft.com/office/drawing/2010/main" val="0"/>
+                </a:ext>
+              </a:extLst>
+            </a:blip>
+            <a:srcRect/>
+            <a:stretch>
+              <a:fillRect/>
+            </a:stretch>
+          </p:blipFill>
+          <p:spPr bwMode="auto">
+            <a:xfrm>
+              <a:off x="4839039" y="3429000"/>
+              <a:ext cx="2841988" cy="1895728"/>
+            </a:xfrm>
+            <a:prstGeom prst="rect">
+              <a:avLst/>
+            </a:prstGeom>
+            <a:noFill/>
+            <a:extLst>
+              <a:ext uri="{909E8E84-426E-40DD-AFC4-6F175D3DCCD1}">
+                <a14:hiddenFill xmlns:a14="http://schemas.microsoft.com/office/drawing/2010/main">
+                  <a:solidFill>
+                    <a:srgbClr val="FFFFFF"/>
+                  </a:solidFill>
+                </a14:hiddenFill>
+              </a:ext>
+            </a:extLst>
+          </p:spPr>
+        </p:pic>
+        <p:pic>
+          <p:nvPicPr>
+            <p:cNvPr id="1026" name="Picture 2" descr="LG전자, 물걸레 전용 로봇청소기 출시 &amp;lt; 가젯·컨슈머 &amp;lt; 라이프 &amp;lt; 기사본문 - 테크월드뉴스 - 김경한 기자">
+              <a:extLst>
+                <a:ext uri="{FF2B5EF4-FFF2-40B4-BE49-F238E27FC236}">
+                  <a16:creationId xmlns:a16="http://schemas.microsoft.com/office/drawing/2014/main" id="{519415FF-6BC9-4CFD-8259-07CAB3FE20DE}"/>
+                </a:ext>
+              </a:extLst>
+            </p:cNvPr>
+            <p:cNvPicPr>
+              <a:picLocks noChangeAspect="1" noChangeArrowheads="1"/>
+            </p:cNvPicPr>
+            <p:nvPr/>
+          </p:nvPicPr>
+          <p:blipFill rotWithShape="1">
+            <a:blip r:embed="rId4">
+              <a:extLst>
+                <a:ext uri="{28A0092B-C50C-407E-A947-70E740481C1C}">
+                  <a14:useLocalDpi xmlns:a14="http://schemas.microsoft.com/office/drawing/2010/main" val="0"/>
+                </a:ext>
+              </a:extLst>
+            </a:blip>
+            <a:srcRect l="10593" t="4696" r="8102" b="4144"/>
+            <a:stretch/>
+          </p:blipFill>
+          <p:spPr bwMode="auto">
+            <a:xfrm>
+              <a:off x="8416577" y="3333750"/>
+              <a:ext cx="2463800" cy="2095500"/>
+            </a:xfrm>
+            <a:prstGeom prst="rect">
+              <a:avLst/>
+            </a:prstGeom>
+            <a:noFill/>
+            <a:extLst>
+              <a:ext uri="{909E8E84-426E-40DD-AFC4-6F175D3DCCD1}">
+                <a14:hiddenFill xmlns:a14="http://schemas.microsoft.com/office/drawing/2010/main">
+                  <a:solidFill>
+                    <a:srgbClr val="FFFFFF"/>
+                  </a:solidFill>
+                </a14:hiddenFill>
+              </a:ext>
+            </a:extLst>
+          </p:spPr>
+        </p:pic>
+      </p:grpSp>
     </p:spTree>
     <p:extLst>
       <p:ext uri="{BB962C8B-B14F-4D97-AF65-F5344CB8AC3E}">
